--- a/figs/modelID.pptx
+++ b/figs/modelID.pptx
@@ -107,7 +107,7 @@
   </p:defaultTextStyle>
   <p:extLst>
     <p:ext uri="{EFAFB233-063F-42B5-8137-9DF3F51BA10A}">
-      <p15:sldGuideLst xmlns:p15="http://schemas.microsoft.com/office/powerpoint/2012/main">
+      <p15:sldGuideLst xmlns:p15="http://schemas.microsoft.com/office/powerpoint/2012/main" xmlns="">
         <p15:guide id="1" orient="horz" pos="2160" userDrawn="1">
           <p15:clr>
             <a:srgbClr val="A4A3A4"/>
@@ -315,7 +315,7 @@
             <a:fld id="{A971BC10-76B2-4130-B834-7E7D780F3808}" type="datetimeFigureOut">
               <a:rPr lang="en-US" smtClean="0"/>
               <a:pPr/>
-              <a:t>3/31/2015</a:t>
+              <a:t>4/1/15</a:t>
             </a:fld>
             <a:endParaRPr lang="en-US"/>
           </a:p>
@@ -497,7 +497,7 @@
             <a:fld id="{A971BC10-76B2-4130-B834-7E7D780F3808}" type="datetimeFigureOut">
               <a:rPr lang="en-US" smtClean="0"/>
               <a:pPr/>
-              <a:t>3/31/2015</a:t>
+              <a:t>4/1/15</a:t>
             </a:fld>
             <a:endParaRPr lang="en-US"/>
           </a:p>
@@ -689,7 +689,7 @@
             <a:fld id="{A971BC10-76B2-4130-B834-7E7D780F3808}" type="datetimeFigureOut">
               <a:rPr lang="en-US" smtClean="0"/>
               <a:pPr/>
-              <a:t>3/31/2015</a:t>
+              <a:t>4/1/15</a:t>
             </a:fld>
             <a:endParaRPr lang="en-US"/>
           </a:p>
@@ -871,7 +871,7 @@
             <a:fld id="{A971BC10-76B2-4130-B834-7E7D780F3808}" type="datetimeFigureOut">
               <a:rPr lang="en-US" smtClean="0"/>
               <a:pPr/>
-              <a:t>3/31/2015</a:t>
+              <a:t>4/1/15</a:t>
             </a:fld>
             <a:endParaRPr lang="en-US"/>
           </a:p>
@@ -1129,7 +1129,7 @@
             <a:fld id="{A971BC10-76B2-4130-B834-7E7D780F3808}" type="datetimeFigureOut">
               <a:rPr lang="en-US" smtClean="0"/>
               <a:pPr/>
-              <a:t>3/31/2015</a:t>
+              <a:t>4/1/15</a:t>
             </a:fld>
             <a:endParaRPr lang="en-US"/>
           </a:p>
@@ -1432,7 +1432,7 @@
             <a:fld id="{A971BC10-76B2-4130-B834-7E7D780F3808}" type="datetimeFigureOut">
               <a:rPr lang="en-US" smtClean="0"/>
               <a:pPr/>
-              <a:t>3/31/2015</a:t>
+              <a:t>4/1/15</a:t>
             </a:fld>
             <a:endParaRPr lang="en-US"/>
           </a:p>
@@ -1875,7 +1875,7 @@
             <a:fld id="{A971BC10-76B2-4130-B834-7E7D780F3808}" type="datetimeFigureOut">
               <a:rPr lang="en-US" smtClean="0"/>
               <a:pPr/>
-              <a:t>3/31/2015</a:t>
+              <a:t>4/1/15</a:t>
             </a:fld>
             <a:endParaRPr lang="en-US"/>
           </a:p>
@@ -2002,7 +2002,7 @@
             <a:fld id="{A971BC10-76B2-4130-B834-7E7D780F3808}" type="datetimeFigureOut">
               <a:rPr lang="en-US" smtClean="0"/>
               <a:pPr/>
-              <a:t>3/31/2015</a:t>
+              <a:t>4/1/15</a:t>
             </a:fld>
             <a:endParaRPr lang="en-US"/>
           </a:p>
@@ -2103,7 +2103,7 @@
             <a:fld id="{A971BC10-76B2-4130-B834-7E7D780F3808}" type="datetimeFigureOut">
               <a:rPr lang="en-US" smtClean="0"/>
               <a:pPr/>
-              <a:t>3/31/2015</a:t>
+              <a:t>4/1/15</a:t>
             </a:fld>
             <a:endParaRPr lang="en-US"/>
           </a:p>
@@ -2395,7 +2395,7 @@
             <a:fld id="{A971BC10-76B2-4130-B834-7E7D780F3808}" type="datetimeFigureOut">
               <a:rPr lang="en-US" smtClean="0"/>
               <a:pPr/>
-              <a:t>3/31/2015</a:t>
+              <a:t>4/1/15</a:t>
             </a:fld>
             <a:endParaRPr lang="en-US"/>
           </a:p>
@@ -2663,7 +2663,7 @@
             <a:fld id="{A971BC10-76B2-4130-B834-7E7D780F3808}" type="datetimeFigureOut">
               <a:rPr lang="en-US" smtClean="0"/>
               <a:pPr/>
-              <a:t>3/31/2015</a:t>
+              <a:t>4/1/15</a:t>
             </a:fld>
             <a:endParaRPr lang="en-US"/>
           </a:p>
@@ -2888,7 +2888,7 @@
             <a:fld id="{A971BC10-76B2-4130-B834-7E7D780F3808}" type="datetimeFigureOut">
               <a:rPr lang="en-US" smtClean="0"/>
               <a:pPr/>
-              <a:t>3/31/2015</a:t>
+              <a:t>4/1/15</a:t>
             </a:fld>
             <a:endParaRPr lang="en-US"/>
           </a:p>
@@ -7186,10 +7186,6 @@
           <a:lstStyle/>
           <a:p>
             <a:pPr algn="ctr"/>
-            <a:r>
-              <a:rPr lang="en-US" dirty="0" smtClean="0"/>
-              <a:t>2</a:t>
-            </a:r>
             <a:endParaRPr lang="en-US" dirty="0"/>
           </a:p>
         </p:txBody>
@@ -8630,6 +8626,424 @@
             <a:endParaRPr lang="en-US" sz="2400" b="1" dirty="0">
               <a:latin typeface="Arial" panose="020B0604020202020204" pitchFamily="34" charset="0"/>
               <a:cs typeface="Arial" panose="020B0604020202020204" pitchFamily="34" charset="0"/>
+            </a:endParaRPr>
+          </a:p>
+        </p:txBody>
+      </p:sp>
+      <p:sp>
+        <p:nvSpPr>
+          <p:cNvPr id="4" name="文本框 3"/>
+          <p:cNvSpPr txBox="1"/>
+          <p:nvPr/>
+        </p:nvSpPr>
+        <p:spPr>
+          <a:xfrm>
+            <a:off x="6096000" y="1143000"/>
+            <a:ext cx="412230" cy="369332"/>
+          </a:xfrm>
+          <a:prstGeom prst="rect">
+            <a:avLst/>
+          </a:prstGeom>
+          <a:noFill/>
+        </p:spPr>
+        <p:txBody>
+          <a:bodyPr wrap="none" rtlCol="0">
+            <a:spAutoFit/>
+          </a:bodyPr>
+          <a:lstStyle/>
+          <a:p>
+            <a:r>
+              <a:rPr kumimoji="1" lang="en-US" altLang="zh-CN" dirty="0" smtClean="0">
+                <a:solidFill>
+                  <a:srgbClr val="FF0000"/>
+                </a:solidFill>
+              </a:rPr>
+              <a:t>a1</a:t>
+            </a:r>
+            <a:endParaRPr kumimoji="1" lang="zh-CN" altLang="en-US" dirty="0">
+              <a:solidFill>
+                <a:srgbClr val="FF0000"/>
+              </a:solidFill>
+            </a:endParaRPr>
+          </a:p>
+        </p:txBody>
+      </p:sp>
+      <p:sp>
+        <p:nvSpPr>
+          <p:cNvPr id="115" name="文本框 114"/>
+          <p:cNvSpPr txBox="1"/>
+          <p:nvPr/>
+        </p:nvSpPr>
+        <p:spPr>
+          <a:xfrm>
+            <a:off x="7086600" y="1143000"/>
+            <a:ext cx="412230" cy="369332"/>
+          </a:xfrm>
+          <a:prstGeom prst="rect">
+            <a:avLst/>
+          </a:prstGeom>
+          <a:noFill/>
+        </p:spPr>
+        <p:txBody>
+          <a:bodyPr wrap="none" rtlCol="0">
+            <a:spAutoFit/>
+          </a:bodyPr>
+          <a:lstStyle/>
+          <a:p>
+            <a:r>
+              <a:rPr kumimoji="1" lang="en-US" altLang="zh-CN" dirty="0" smtClean="0">
+                <a:solidFill>
+                  <a:srgbClr val="FF0000"/>
+                </a:solidFill>
+              </a:rPr>
+              <a:t>a2</a:t>
+            </a:r>
+            <a:endParaRPr kumimoji="1" lang="zh-CN" altLang="en-US" dirty="0">
+              <a:solidFill>
+                <a:srgbClr val="FF0000"/>
+              </a:solidFill>
+            </a:endParaRPr>
+          </a:p>
+        </p:txBody>
+      </p:sp>
+      <p:sp>
+        <p:nvSpPr>
+          <p:cNvPr id="116" name="文本框 115"/>
+          <p:cNvSpPr txBox="1"/>
+          <p:nvPr/>
+        </p:nvSpPr>
+        <p:spPr>
+          <a:xfrm>
+            <a:off x="6629400" y="1524000"/>
+            <a:ext cx="412230" cy="369332"/>
+          </a:xfrm>
+          <a:prstGeom prst="rect">
+            <a:avLst/>
+          </a:prstGeom>
+          <a:noFill/>
+        </p:spPr>
+        <p:txBody>
+          <a:bodyPr wrap="none" rtlCol="0">
+            <a:spAutoFit/>
+          </a:bodyPr>
+          <a:lstStyle/>
+          <a:p>
+            <a:r>
+              <a:rPr kumimoji="1" lang="en-US" altLang="zh-CN" dirty="0" smtClean="0">
+                <a:solidFill>
+                  <a:srgbClr val="FF0000"/>
+                </a:solidFill>
+              </a:rPr>
+              <a:t>v1</a:t>
+            </a:r>
+            <a:endParaRPr kumimoji="1" lang="zh-CN" altLang="en-US" dirty="0">
+              <a:solidFill>
+                <a:srgbClr val="FF0000"/>
+              </a:solidFill>
+            </a:endParaRPr>
+          </a:p>
+        </p:txBody>
+      </p:sp>
+      <p:sp>
+        <p:nvSpPr>
+          <p:cNvPr id="120" name="文本框 119"/>
+          <p:cNvSpPr txBox="1"/>
+          <p:nvPr/>
+        </p:nvSpPr>
+        <p:spPr>
+          <a:xfrm>
+            <a:off x="7315200" y="1535668"/>
+            <a:ext cx="405918" cy="369332"/>
+          </a:xfrm>
+          <a:prstGeom prst="rect">
+            <a:avLst/>
+          </a:prstGeom>
+          <a:noFill/>
+        </p:spPr>
+        <p:txBody>
+          <a:bodyPr wrap="none" rtlCol="0">
+            <a:spAutoFit/>
+          </a:bodyPr>
+          <a:lstStyle/>
+          <a:p>
+            <a:r>
+              <a:rPr kumimoji="1" lang="en-US" altLang="zh-CN" dirty="0" smtClean="0">
+                <a:solidFill>
+                  <a:srgbClr val="FF0000"/>
+                </a:solidFill>
+              </a:rPr>
+              <a:t>v2</a:t>
+            </a:r>
+            <a:endParaRPr kumimoji="1" lang="zh-CN" altLang="en-US" dirty="0">
+              <a:solidFill>
+                <a:srgbClr val="FF0000"/>
+              </a:solidFill>
+            </a:endParaRPr>
+          </a:p>
+        </p:txBody>
+      </p:sp>
+      <p:sp>
+        <p:nvSpPr>
+          <p:cNvPr id="121" name="文本框 120"/>
+          <p:cNvSpPr txBox="1"/>
+          <p:nvPr/>
+        </p:nvSpPr>
+        <p:spPr>
+          <a:xfrm>
+            <a:off x="5977863" y="2438400"/>
+            <a:ext cx="422937" cy="369332"/>
+          </a:xfrm>
+          <a:prstGeom prst="rect">
+            <a:avLst/>
+          </a:prstGeom>
+          <a:noFill/>
+        </p:spPr>
+        <p:txBody>
+          <a:bodyPr wrap="none" rtlCol="0">
+            <a:spAutoFit/>
+          </a:bodyPr>
+          <a:lstStyle/>
+          <a:p>
+            <a:r>
+              <a:rPr kumimoji="1" lang="en-US" altLang="zh-CN" dirty="0" smtClean="0">
+                <a:solidFill>
+                  <a:srgbClr val="FF0000"/>
+                </a:solidFill>
+              </a:rPr>
+              <a:t>p1</a:t>
+            </a:r>
+            <a:endParaRPr kumimoji="1" lang="zh-CN" altLang="en-US" dirty="0">
+              <a:solidFill>
+                <a:srgbClr val="FF0000"/>
+              </a:solidFill>
+            </a:endParaRPr>
+          </a:p>
+        </p:txBody>
+      </p:sp>
+      <p:sp>
+        <p:nvSpPr>
+          <p:cNvPr id="123" name="文本框 122"/>
+          <p:cNvSpPr txBox="1"/>
+          <p:nvPr/>
+        </p:nvSpPr>
+        <p:spPr>
+          <a:xfrm>
+            <a:off x="6739863" y="2438400"/>
+            <a:ext cx="422937" cy="369332"/>
+          </a:xfrm>
+          <a:prstGeom prst="rect">
+            <a:avLst/>
+          </a:prstGeom>
+          <a:noFill/>
+        </p:spPr>
+        <p:txBody>
+          <a:bodyPr wrap="none" rtlCol="0">
+            <a:spAutoFit/>
+          </a:bodyPr>
+          <a:lstStyle/>
+          <a:p>
+            <a:r>
+              <a:rPr kumimoji="1" lang="en-US" altLang="zh-CN" dirty="0" smtClean="0">
+                <a:solidFill>
+                  <a:srgbClr val="FF0000"/>
+                </a:solidFill>
+              </a:rPr>
+              <a:t>p2</a:t>
+            </a:r>
+            <a:endParaRPr kumimoji="1" lang="zh-CN" altLang="en-US" dirty="0">
+              <a:solidFill>
+                <a:srgbClr val="FF0000"/>
+              </a:solidFill>
+            </a:endParaRPr>
+          </a:p>
+        </p:txBody>
+      </p:sp>
+      <p:sp>
+        <p:nvSpPr>
+          <p:cNvPr id="124" name="文本框 123"/>
+          <p:cNvSpPr txBox="1"/>
+          <p:nvPr/>
+        </p:nvSpPr>
+        <p:spPr>
+          <a:xfrm>
+            <a:off x="6324600" y="2895600"/>
+            <a:ext cx="412230" cy="369332"/>
+          </a:xfrm>
+          <a:prstGeom prst="rect">
+            <a:avLst/>
+          </a:prstGeom>
+          <a:noFill/>
+        </p:spPr>
+        <p:txBody>
+          <a:bodyPr wrap="none" rtlCol="0">
+            <a:spAutoFit/>
+          </a:bodyPr>
+          <a:lstStyle/>
+          <a:p>
+            <a:r>
+              <a:rPr kumimoji="1" lang="en-US" altLang="zh-CN" dirty="0" smtClean="0">
+                <a:solidFill>
+                  <a:srgbClr val="FF0000"/>
+                </a:solidFill>
+              </a:rPr>
+              <a:t>v1</a:t>
+            </a:r>
+            <a:endParaRPr kumimoji="1" lang="zh-CN" altLang="en-US" dirty="0">
+              <a:solidFill>
+                <a:srgbClr val="FF0000"/>
+              </a:solidFill>
+            </a:endParaRPr>
+          </a:p>
+        </p:txBody>
+      </p:sp>
+      <p:sp>
+        <p:nvSpPr>
+          <p:cNvPr id="139" name="文本框 138"/>
+          <p:cNvSpPr txBox="1"/>
+          <p:nvPr/>
+        </p:nvSpPr>
+        <p:spPr>
+          <a:xfrm>
+            <a:off x="7010400" y="2907268"/>
+            <a:ext cx="405918" cy="369332"/>
+          </a:xfrm>
+          <a:prstGeom prst="rect">
+            <a:avLst/>
+          </a:prstGeom>
+          <a:noFill/>
+        </p:spPr>
+        <p:txBody>
+          <a:bodyPr wrap="none" rtlCol="0">
+            <a:spAutoFit/>
+          </a:bodyPr>
+          <a:lstStyle/>
+          <a:p>
+            <a:r>
+              <a:rPr kumimoji="1" lang="en-US" altLang="zh-CN" dirty="0" smtClean="0">
+                <a:solidFill>
+                  <a:srgbClr val="FF0000"/>
+                </a:solidFill>
+              </a:rPr>
+              <a:t>v2</a:t>
+            </a:r>
+            <a:endParaRPr kumimoji="1" lang="zh-CN" altLang="en-US" dirty="0">
+              <a:solidFill>
+                <a:srgbClr val="FF0000"/>
+              </a:solidFill>
+            </a:endParaRPr>
+          </a:p>
+        </p:txBody>
+      </p:sp>
+      <p:sp>
+        <p:nvSpPr>
+          <p:cNvPr id="140" name="文本框 139"/>
+          <p:cNvSpPr txBox="1"/>
+          <p:nvPr/>
+        </p:nvSpPr>
+        <p:spPr>
+          <a:xfrm>
+            <a:off x="5943600" y="3962400"/>
+            <a:ext cx="422937" cy="369332"/>
+          </a:xfrm>
+          <a:prstGeom prst="rect">
+            <a:avLst/>
+          </a:prstGeom>
+          <a:noFill/>
+        </p:spPr>
+        <p:txBody>
+          <a:bodyPr wrap="none" rtlCol="0">
+            <a:spAutoFit/>
+          </a:bodyPr>
+          <a:lstStyle/>
+          <a:p>
+            <a:r>
+              <a:rPr kumimoji="1" lang="en-US" altLang="zh-CN" dirty="0" smtClean="0">
+                <a:solidFill>
+                  <a:srgbClr val="FF0000"/>
+                </a:solidFill>
+              </a:rPr>
+              <a:t>p1</a:t>
+            </a:r>
+            <a:endParaRPr kumimoji="1" lang="zh-CN" altLang="en-US" dirty="0">
+              <a:solidFill>
+                <a:srgbClr val="FF0000"/>
+              </a:solidFill>
+            </a:endParaRPr>
+          </a:p>
+        </p:txBody>
+      </p:sp>
+      <p:sp>
+        <p:nvSpPr>
+          <p:cNvPr id="141" name="文本框 140"/>
+          <p:cNvSpPr txBox="1"/>
+          <p:nvPr/>
+        </p:nvSpPr>
+        <p:spPr>
+          <a:xfrm>
+            <a:off x="6705600" y="3962400"/>
+            <a:ext cx="422937" cy="369332"/>
+          </a:xfrm>
+          <a:prstGeom prst="rect">
+            <a:avLst/>
+          </a:prstGeom>
+          <a:noFill/>
+        </p:spPr>
+        <p:txBody>
+          <a:bodyPr wrap="none" rtlCol="0">
+            <a:spAutoFit/>
+          </a:bodyPr>
+          <a:lstStyle/>
+          <a:p>
+            <a:r>
+              <a:rPr kumimoji="1" lang="en-US" altLang="zh-CN" dirty="0" smtClean="0">
+                <a:solidFill>
+                  <a:srgbClr val="FF0000"/>
+                </a:solidFill>
+              </a:rPr>
+              <a:t>p2</a:t>
+            </a:r>
+            <a:endParaRPr kumimoji="1" lang="zh-CN" altLang="en-US" dirty="0">
+              <a:solidFill>
+                <a:srgbClr val="FF0000"/>
+              </a:solidFill>
+            </a:endParaRPr>
+          </a:p>
+        </p:txBody>
+      </p:sp>
+      <p:sp>
+        <p:nvSpPr>
+          <p:cNvPr id="142" name="文本框 141"/>
+          <p:cNvSpPr txBox="1"/>
+          <p:nvPr/>
+        </p:nvSpPr>
+        <p:spPr>
+          <a:xfrm>
+            <a:off x="6293370" y="4431268"/>
+            <a:ext cx="412230" cy="369332"/>
+          </a:xfrm>
+          <a:prstGeom prst="rect">
+            <a:avLst/>
+          </a:prstGeom>
+          <a:noFill/>
+        </p:spPr>
+        <p:txBody>
+          <a:bodyPr wrap="none" rtlCol="0">
+            <a:spAutoFit/>
+          </a:bodyPr>
+          <a:lstStyle/>
+          <a:p>
+            <a:r>
+              <a:rPr kumimoji="1" lang="en-US" altLang="zh-CN" dirty="0" smtClean="0">
+                <a:solidFill>
+                  <a:srgbClr val="FF0000"/>
+                </a:solidFill>
+              </a:rPr>
+              <a:t>v1</a:t>
+            </a:r>
+            <a:endParaRPr kumimoji="1" lang="zh-CN" altLang="en-US" dirty="0">
+              <a:solidFill>
+                <a:srgbClr val="FF0000"/>
+              </a:solidFill>
             </a:endParaRPr>
           </a:p>
         </p:txBody>

--- a/figs/modelID.pptx
+++ b/figs/modelID.pptx
@@ -107,7 +107,7 @@
   </p:defaultTextStyle>
   <p:extLst>
     <p:ext uri="{EFAFB233-063F-42B5-8137-9DF3F51BA10A}">
-      <p15:sldGuideLst xmlns:p15="http://schemas.microsoft.com/office/powerpoint/2012/main" xmlns="">
+      <p15:sldGuideLst xmlns:p15="http://schemas.microsoft.com/office/powerpoint/2012/main">
         <p15:guide id="1" orient="horz" pos="2160" userDrawn="1">
           <p15:clr>
             <a:srgbClr val="A4A3A4"/>
@@ -315,7 +315,7 @@
             <a:fld id="{A971BC10-76B2-4130-B834-7E7D780F3808}" type="datetimeFigureOut">
               <a:rPr lang="en-US" smtClean="0"/>
               <a:pPr/>
-              <a:t>4/1/15</a:t>
+              <a:t>4/1/2015</a:t>
             </a:fld>
             <a:endParaRPr lang="en-US"/>
           </a:p>
@@ -497,7 +497,7 @@
             <a:fld id="{A971BC10-76B2-4130-B834-7E7D780F3808}" type="datetimeFigureOut">
               <a:rPr lang="en-US" smtClean="0"/>
               <a:pPr/>
-              <a:t>4/1/15</a:t>
+              <a:t>4/1/2015</a:t>
             </a:fld>
             <a:endParaRPr lang="en-US"/>
           </a:p>
@@ -689,7 +689,7 @@
             <a:fld id="{A971BC10-76B2-4130-B834-7E7D780F3808}" type="datetimeFigureOut">
               <a:rPr lang="en-US" smtClean="0"/>
               <a:pPr/>
-              <a:t>4/1/15</a:t>
+              <a:t>4/1/2015</a:t>
             </a:fld>
             <a:endParaRPr lang="en-US"/>
           </a:p>
@@ -871,7 +871,7 @@
             <a:fld id="{A971BC10-76B2-4130-B834-7E7D780F3808}" type="datetimeFigureOut">
               <a:rPr lang="en-US" smtClean="0"/>
               <a:pPr/>
-              <a:t>4/1/15</a:t>
+              <a:t>4/1/2015</a:t>
             </a:fld>
             <a:endParaRPr lang="en-US"/>
           </a:p>
@@ -1129,7 +1129,7 @@
             <a:fld id="{A971BC10-76B2-4130-B834-7E7D780F3808}" type="datetimeFigureOut">
               <a:rPr lang="en-US" smtClean="0"/>
               <a:pPr/>
-              <a:t>4/1/15</a:t>
+              <a:t>4/1/2015</a:t>
             </a:fld>
             <a:endParaRPr lang="en-US"/>
           </a:p>
@@ -1432,7 +1432,7 @@
             <a:fld id="{A971BC10-76B2-4130-B834-7E7D780F3808}" type="datetimeFigureOut">
               <a:rPr lang="en-US" smtClean="0"/>
               <a:pPr/>
-              <a:t>4/1/15</a:t>
+              <a:t>4/1/2015</a:t>
             </a:fld>
             <a:endParaRPr lang="en-US"/>
           </a:p>
@@ -1875,7 +1875,7 @@
             <a:fld id="{A971BC10-76B2-4130-B834-7E7D780F3808}" type="datetimeFigureOut">
               <a:rPr lang="en-US" smtClean="0"/>
               <a:pPr/>
-              <a:t>4/1/15</a:t>
+              <a:t>4/1/2015</a:t>
             </a:fld>
             <a:endParaRPr lang="en-US"/>
           </a:p>
@@ -2002,7 +2002,7 @@
             <a:fld id="{A971BC10-76B2-4130-B834-7E7D780F3808}" type="datetimeFigureOut">
               <a:rPr lang="en-US" smtClean="0"/>
               <a:pPr/>
-              <a:t>4/1/15</a:t>
+              <a:t>4/1/2015</a:t>
             </a:fld>
             <a:endParaRPr lang="en-US"/>
           </a:p>
@@ -2103,7 +2103,7 @@
             <a:fld id="{A971BC10-76B2-4130-B834-7E7D780F3808}" type="datetimeFigureOut">
               <a:rPr lang="en-US" smtClean="0"/>
               <a:pPr/>
-              <a:t>4/1/15</a:t>
+              <a:t>4/1/2015</a:t>
             </a:fld>
             <a:endParaRPr lang="en-US"/>
           </a:p>
@@ -2395,7 +2395,7 @@
             <a:fld id="{A971BC10-76B2-4130-B834-7E7D780F3808}" type="datetimeFigureOut">
               <a:rPr lang="en-US" smtClean="0"/>
               <a:pPr/>
-              <a:t>4/1/15</a:t>
+              <a:t>4/1/2015</a:t>
             </a:fld>
             <a:endParaRPr lang="en-US"/>
           </a:p>
@@ -2663,7 +2663,7 @@
             <a:fld id="{A971BC10-76B2-4130-B834-7E7D780F3808}" type="datetimeFigureOut">
               <a:rPr lang="en-US" smtClean="0"/>
               <a:pPr/>
-              <a:t>4/1/15</a:t>
+              <a:t>4/1/2015</a:t>
             </a:fld>
             <a:endParaRPr lang="en-US"/>
           </a:p>
@@ -2888,7 +2888,7 @@
             <a:fld id="{A971BC10-76B2-4130-B834-7E7D780F3808}" type="datetimeFigureOut">
               <a:rPr lang="en-US" smtClean="0"/>
               <a:pPr/>
-              <a:t>4/1/15</a:t>
+              <a:t>4/1/2015</a:t>
             </a:fld>
             <a:endParaRPr lang="en-US"/>
           </a:p>
@@ -7186,6 +7186,10 @@
           <a:lstStyle/>
           <a:p>
             <a:pPr algn="ctr"/>
+            <a:r>
+              <a:rPr lang="en-US" dirty="0" smtClean="0"/>
+              <a:t>2</a:t>
+            </a:r>
             <a:endParaRPr lang="en-US" dirty="0"/>
           </a:p>
         </p:txBody>
